--- a/twokeys-ms/doc/apresentacao-ms.pptx
+++ b/twokeys-ms/doc/apresentacao-ms.pptx
@@ -3606,6 +3606,84 @@
           <a:xfrm>
             <a:off x="3347864" y="5085184"/>
             <a:ext cx="12614" cy="432048"/>
+          </a:xfrm>
+          <a:prstGeom prst="straightConnector1">
+            <a:avLst/>
+          </a:prstGeom>
+          <a:ln>
+            <a:tailEnd type="arrow"/>
+          </a:ln>
+        </p:spPr>
+        <p:style>
+          <a:lnRef idx="1">
+            <a:schemeClr val="accent1"/>
+          </a:lnRef>
+          <a:fillRef idx="0">
+            <a:schemeClr val="accent1"/>
+          </a:fillRef>
+          <a:effectRef idx="0">
+            <a:schemeClr val="accent1"/>
+          </a:effectRef>
+          <a:fontRef idx="minor">
+            <a:schemeClr val="tx1"/>
+          </a:fontRef>
+        </p:style>
+      </p:cxnSp>
+      <p:sp>
+        <p:nvSpPr>
+          <p:cNvPr id="2" name="Fluxograma: Disco magnético 1"/>
+          <p:cNvSpPr/>
+          <p:nvPr/>
+        </p:nvSpPr>
+        <p:spPr>
+          <a:xfrm>
+            <a:off x="5940152" y="836712"/>
+            <a:ext cx="576064" cy="576064"/>
+          </a:xfrm>
+          <a:prstGeom prst="flowChartMagneticDisk">
+            <a:avLst/>
+          </a:prstGeom>
+        </p:spPr>
+        <p:style>
+          <a:lnRef idx="2">
+            <a:schemeClr val="accent1"/>
+          </a:lnRef>
+          <a:fillRef idx="1">
+            <a:schemeClr val="lt1"/>
+          </a:fillRef>
+          <a:effectRef idx="0">
+            <a:schemeClr val="accent1"/>
+          </a:effectRef>
+          <a:fontRef idx="minor">
+            <a:schemeClr val="dk1"/>
+          </a:fontRef>
+        </p:style>
+        <p:txBody>
+          <a:bodyPr rtlCol="0" anchor="ctr"/>
+          <a:lstStyle/>
+          <a:p>
+            <a:pPr algn="ctr"/>
+            <a:r>
+              <a:rPr lang="pt-BR" dirty="0" err="1" smtClean="0"/>
+              <a:t>db</a:t>
+            </a:r>
+            <a:endParaRPr lang="pt-BR" dirty="0"/>
+          </a:p>
+        </p:txBody>
+      </p:sp>
+      <p:cxnSp>
+        <p:nvCxnSpPr>
+          <p:cNvPr id="5" name="Conector de seta reta 4"/>
+          <p:cNvCxnSpPr>
+            <a:stCxn id="2" idx="3"/>
+            <a:endCxn id="23" idx="3"/>
+          </p:cNvCxnSpPr>
+          <p:nvPr/>
+        </p:nvCxnSpPr>
+        <p:spPr>
+          <a:xfrm flipH="1">
+            <a:off x="4463988" y="1412776"/>
+            <a:ext cx="1764196" cy="1044105"/>
           </a:xfrm>
           <a:prstGeom prst="straightConnector1">
             <a:avLst/>

--- a/twokeys-ms/doc/apresentacao-ms.pptx
+++ b/twokeys-ms/doc/apresentacao-ms.pptx
@@ -288,7 +288,7 @@
           <a:p>
             <a:fld id="{B4F91059-B033-4422-803B-0942C51F3D2C}" type="datetimeFigureOut">
               <a:rPr lang="pt-BR" smtClean="0"/>
-              <a:t>02/08/2021</a:t>
+              <a:t>04/08/2021</a:t>
             </a:fld>
             <a:endParaRPr lang="pt-BR"/>
           </a:p>
@@ -458,7 +458,7 @@
           <a:p>
             <a:fld id="{B4F91059-B033-4422-803B-0942C51F3D2C}" type="datetimeFigureOut">
               <a:rPr lang="pt-BR" smtClean="0"/>
-              <a:t>02/08/2021</a:t>
+              <a:t>04/08/2021</a:t>
             </a:fld>
             <a:endParaRPr lang="pt-BR"/>
           </a:p>
@@ -638,7 +638,7 @@
           <a:p>
             <a:fld id="{B4F91059-B033-4422-803B-0942C51F3D2C}" type="datetimeFigureOut">
               <a:rPr lang="pt-BR" smtClean="0"/>
-              <a:t>02/08/2021</a:t>
+              <a:t>04/08/2021</a:t>
             </a:fld>
             <a:endParaRPr lang="pt-BR"/>
           </a:p>
@@ -808,7 +808,7 @@
           <a:p>
             <a:fld id="{B4F91059-B033-4422-803B-0942C51F3D2C}" type="datetimeFigureOut">
               <a:rPr lang="pt-BR" smtClean="0"/>
-              <a:t>02/08/2021</a:t>
+              <a:t>04/08/2021</a:t>
             </a:fld>
             <a:endParaRPr lang="pt-BR"/>
           </a:p>
@@ -1054,7 +1054,7 @@
           <a:p>
             <a:fld id="{B4F91059-B033-4422-803B-0942C51F3D2C}" type="datetimeFigureOut">
               <a:rPr lang="pt-BR" smtClean="0"/>
-              <a:t>02/08/2021</a:t>
+              <a:t>04/08/2021</a:t>
             </a:fld>
             <a:endParaRPr lang="pt-BR"/>
           </a:p>
@@ -1342,7 +1342,7 @@
           <a:p>
             <a:fld id="{B4F91059-B033-4422-803B-0942C51F3D2C}" type="datetimeFigureOut">
               <a:rPr lang="pt-BR" smtClean="0"/>
-              <a:t>02/08/2021</a:t>
+              <a:t>04/08/2021</a:t>
             </a:fld>
             <a:endParaRPr lang="pt-BR"/>
           </a:p>
@@ -1764,7 +1764,7 @@
           <a:p>
             <a:fld id="{B4F91059-B033-4422-803B-0942C51F3D2C}" type="datetimeFigureOut">
               <a:rPr lang="pt-BR" smtClean="0"/>
-              <a:t>02/08/2021</a:t>
+              <a:t>04/08/2021</a:t>
             </a:fld>
             <a:endParaRPr lang="pt-BR"/>
           </a:p>
@@ -1882,7 +1882,7 @@
           <a:p>
             <a:fld id="{B4F91059-B033-4422-803B-0942C51F3D2C}" type="datetimeFigureOut">
               <a:rPr lang="pt-BR" smtClean="0"/>
-              <a:t>02/08/2021</a:t>
+              <a:t>04/08/2021</a:t>
             </a:fld>
             <a:endParaRPr lang="pt-BR"/>
           </a:p>
@@ -1977,7 +1977,7 @@
           <a:p>
             <a:fld id="{B4F91059-B033-4422-803B-0942C51F3D2C}" type="datetimeFigureOut">
               <a:rPr lang="pt-BR" smtClean="0"/>
-              <a:t>02/08/2021</a:t>
+              <a:t>04/08/2021</a:t>
             </a:fld>
             <a:endParaRPr lang="pt-BR"/>
           </a:p>
@@ -2254,7 +2254,7 @@
           <a:p>
             <a:fld id="{B4F91059-B033-4422-803B-0942C51F3D2C}" type="datetimeFigureOut">
               <a:rPr lang="pt-BR" smtClean="0"/>
-              <a:t>02/08/2021</a:t>
+              <a:t>04/08/2021</a:t>
             </a:fld>
             <a:endParaRPr lang="pt-BR"/>
           </a:p>
@@ -2507,7 +2507,7 @@
           <a:p>
             <a:fld id="{B4F91059-B033-4422-803B-0942C51F3D2C}" type="datetimeFigureOut">
               <a:rPr lang="pt-BR" smtClean="0"/>
-              <a:t>02/08/2021</a:t>
+              <a:t>04/08/2021</a:t>
             </a:fld>
             <a:endParaRPr lang="pt-BR"/>
           </a:p>
@@ -2720,7 +2720,7 @@
           <a:p>
             <a:fld id="{B4F91059-B033-4422-803B-0942C51F3D2C}" type="datetimeFigureOut">
               <a:rPr lang="pt-BR" smtClean="0"/>
-              <a:t>02/08/2021</a:t>
+              <a:t>04/08/2021</a:t>
             </a:fld>
             <a:endParaRPr lang="pt-BR"/>
           </a:p>
@@ -3304,10 +3304,10 @@
           <a:p>
             <a:pPr algn="ctr"/>
             <a:r>
-              <a:rPr lang="pt-BR" dirty="0" err="1" smtClean="0"/>
-              <a:t>Microsseriço</a:t>
-            </a:r>
-            <a:endParaRPr lang="pt-BR" dirty="0" smtClean="0"/>
+              <a:rPr lang="pt-BR" u="sng" smtClean="0"/>
+              <a:t>Microsserviço</a:t>
+            </a:r>
+            <a:endParaRPr lang="pt-BR" u="sng" dirty="0" smtClean="0"/>
           </a:p>
           <a:p>
             <a:pPr algn="ctr"/>
